--- a/notebooks/img/medium_graph.pptx
+++ b/notebooks/img/medium_graph.pptx
@@ -5854,6 +5854,720 @@
           </a:fontRef>
         </p:style>
       </p:cxnSp>
+      <p:cxnSp>
+        <p:nvCxnSpPr>
+          <p:cNvPr id="172" name="Connecteur droit 171"/>
+          <p:cNvCxnSpPr/>
+          <p:nvPr/>
+        </p:nvCxnSpPr>
+        <p:spPr>
+          <a:xfrm flipH="1">
+            <a:off x="4724510" y="4028208"/>
+            <a:ext cx="126587" cy="157519"/>
+          </a:xfrm>
+          <a:prstGeom prst="line">
+            <a:avLst/>
+          </a:prstGeom>
+        </p:spPr>
+        <p:style>
+          <a:lnRef idx="1">
+            <a:schemeClr val="accent1"/>
+          </a:lnRef>
+          <a:fillRef idx="0">
+            <a:schemeClr val="accent1"/>
+          </a:fillRef>
+          <a:effectRef idx="0">
+            <a:schemeClr val="accent1"/>
+          </a:effectRef>
+          <a:fontRef idx="minor">
+            <a:schemeClr val="tx1"/>
+          </a:fontRef>
+        </p:style>
+      </p:cxnSp>
+      <p:sp>
+        <p:nvSpPr>
+          <p:cNvPr id="218" name="ZoneTexte 217"/>
+          <p:cNvSpPr txBox="1"/>
+          <p:nvPr/>
+        </p:nvSpPr>
+        <p:spPr>
+          <a:xfrm>
+            <a:off x="3238691" y="2836678"/>
+            <a:ext cx="255198" cy="246221"/>
+          </a:xfrm>
+          <a:prstGeom prst="rect">
+            <a:avLst/>
+          </a:prstGeom>
+          <a:noFill/>
+        </p:spPr>
+        <p:txBody>
+          <a:bodyPr wrap="none" rtlCol="0">
+            <a:spAutoFit/>
+          </a:bodyPr>
+          <a:lstStyle/>
+          <a:p>
+            <a:r>
+              <a:rPr lang="en-GB" sz="1000" dirty="0" smtClean="0">
+                <a:latin typeface="Consolas" panose="020B0609020204030204" pitchFamily="49" charset="0"/>
+                <a:cs typeface="Consolas" panose="020B0609020204030204" pitchFamily="49" charset="0"/>
+              </a:rPr>
+              <a:t>6</a:t>
+            </a:r>
+            <a:endParaRPr lang="en-GB" sz="1000" dirty="0">
+              <a:latin typeface="Consolas" panose="020B0609020204030204" pitchFamily="49" charset="0"/>
+              <a:cs typeface="Consolas" panose="020B0609020204030204" pitchFamily="49" charset="0"/>
+            </a:endParaRPr>
+          </a:p>
+        </p:txBody>
+      </p:sp>
+      <p:sp>
+        <p:nvSpPr>
+          <p:cNvPr id="219" name="ZoneTexte 218"/>
+          <p:cNvSpPr txBox="1"/>
+          <p:nvPr/>
+        </p:nvSpPr>
+        <p:spPr>
+          <a:xfrm>
+            <a:off x="4020300" y="3169516"/>
+            <a:ext cx="255198" cy="246221"/>
+          </a:xfrm>
+          <a:prstGeom prst="rect">
+            <a:avLst/>
+          </a:prstGeom>
+          <a:noFill/>
+        </p:spPr>
+        <p:txBody>
+          <a:bodyPr wrap="none" rtlCol="0">
+            <a:spAutoFit/>
+          </a:bodyPr>
+          <a:lstStyle/>
+          <a:p>
+            <a:r>
+              <a:rPr lang="en-GB" sz="1000" dirty="0" smtClean="0">
+                <a:latin typeface="Consolas" panose="020B0609020204030204" pitchFamily="49" charset="0"/>
+                <a:cs typeface="Consolas" panose="020B0609020204030204" pitchFamily="49" charset="0"/>
+              </a:rPr>
+              <a:t>7</a:t>
+            </a:r>
+            <a:endParaRPr lang="en-GB" sz="1000" dirty="0">
+              <a:latin typeface="Consolas" panose="020B0609020204030204" pitchFamily="49" charset="0"/>
+              <a:cs typeface="Consolas" panose="020B0609020204030204" pitchFamily="49" charset="0"/>
+            </a:endParaRPr>
+          </a:p>
+        </p:txBody>
+      </p:sp>
+      <p:sp>
+        <p:nvSpPr>
+          <p:cNvPr id="220" name="ZoneTexte 219"/>
+          <p:cNvSpPr txBox="1"/>
+          <p:nvPr/>
+        </p:nvSpPr>
+        <p:spPr>
+          <a:xfrm>
+            <a:off x="4511839" y="3494493"/>
+            <a:ext cx="255198" cy="246221"/>
+          </a:xfrm>
+          <a:prstGeom prst="rect">
+            <a:avLst/>
+          </a:prstGeom>
+          <a:noFill/>
+        </p:spPr>
+        <p:txBody>
+          <a:bodyPr wrap="none" rtlCol="0">
+            <a:spAutoFit/>
+          </a:bodyPr>
+          <a:lstStyle/>
+          <a:p>
+            <a:r>
+              <a:rPr lang="en-GB" sz="1000" dirty="0" smtClean="0">
+                <a:latin typeface="Consolas" panose="020B0609020204030204" pitchFamily="49" charset="0"/>
+                <a:cs typeface="Consolas" panose="020B0609020204030204" pitchFamily="49" charset="0"/>
+              </a:rPr>
+              <a:t>8</a:t>
+            </a:r>
+            <a:endParaRPr lang="en-GB" sz="1000" dirty="0">
+              <a:latin typeface="Consolas" panose="020B0609020204030204" pitchFamily="49" charset="0"/>
+              <a:cs typeface="Consolas" panose="020B0609020204030204" pitchFamily="49" charset="0"/>
+            </a:endParaRPr>
+          </a:p>
+        </p:txBody>
+      </p:sp>
+      <p:sp>
+        <p:nvSpPr>
+          <p:cNvPr id="221" name="ZoneTexte 220"/>
+          <p:cNvSpPr txBox="1"/>
+          <p:nvPr/>
+        </p:nvSpPr>
+        <p:spPr>
+          <a:xfrm>
+            <a:off x="4535996" y="4003153"/>
+            <a:ext cx="255198" cy="246221"/>
+          </a:xfrm>
+          <a:prstGeom prst="rect">
+            <a:avLst/>
+          </a:prstGeom>
+          <a:noFill/>
+        </p:spPr>
+        <p:txBody>
+          <a:bodyPr wrap="none" rtlCol="0">
+            <a:spAutoFit/>
+          </a:bodyPr>
+          <a:lstStyle/>
+          <a:p>
+            <a:r>
+              <a:rPr lang="en-GB" sz="1000" dirty="0" smtClean="0">
+                <a:latin typeface="Consolas" panose="020B0609020204030204" pitchFamily="49" charset="0"/>
+                <a:cs typeface="Consolas" panose="020B0609020204030204" pitchFamily="49" charset="0"/>
+              </a:rPr>
+              <a:t>9</a:t>
+            </a:r>
+            <a:endParaRPr lang="en-GB" sz="1000" dirty="0">
+              <a:latin typeface="Consolas" panose="020B0609020204030204" pitchFamily="49" charset="0"/>
+              <a:cs typeface="Consolas" panose="020B0609020204030204" pitchFamily="49" charset="0"/>
+            </a:endParaRPr>
+          </a:p>
+        </p:txBody>
+      </p:sp>
+      <p:sp>
+        <p:nvSpPr>
+          <p:cNvPr id="222" name="ZoneTexte 221"/>
+          <p:cNvSpPr txBox="1"/>
+          <p:nvPr/>
+        </p:nvSpPr>
+        <p:spPr>
+          <a:xfrm>
+            <a:off x="3670315" y="3222186"/>
+            <a:ext cx="325730" cy="246221"/>
+          </a:xfrm>
+          <a:prstGeom prst="rect">
+            <a:avLst/>
+          </a:prstGeom>
+          <a:noFill/>
+        </p:spPr>
+        <p:txBody>
+          <a:bodyPr wrap="none" rtlCol="0">
+            <a:spAutoFit/>
+          </a:bodyPr>
+          <a:lstStyle/>
+          <a:p>
+            <a:r>
+              <a:rPr lang="en-GB" sz="1000" dirty="0" smtClean="0">
+                <a:latin typeface="Consolas" panose="020B0609020204030204" pitchFamily="49" charset="0"/>
+                <a:cs typeface="Consolas" panose="020B0609020204030204" pitchFamily="49" charset="0"/>
+              </a:rPr>
+              <a:t>10</a:t>
+            </a:r>
+            <a:endParaRPr lang="en-GB" sz="1000" dirty="0">
+              <a:latin typeface="Consolas" panose="020B0609020204030204" pitchFamily="49" charset="0"/>
+              <a:cs typeface="Consolas" panose="020B0609020204030204" pitchFamily="49" charset="0"/>
+            </a:endParaRPr>
+          </a:p>
+        </p:txBody>
+      </p:sp>
+      <p:sp>
+        <p:nvSpPr>
+          <p:cNvPr id="223" name="ZoneTexte 222"/>
+          <p:cNvSpPr txBox="1"/>
+          <p:nvPr/>
+        </p:nvSpPr>
+        <p:spPr>
+          <a:xfrm>
+            <a:off x="3323769" y="3307972"/>
+            <a:ext cx="325730" cy="246221"/>
+          </a:xfrm>
+          <a:prstGeom prst="rect">
+            <a:avLst/>
+          </a:prstGeom>
+          <a:noFill/>
+        </p:spPr>
+        <p:txBody>
+          <a:bodyPr wrap="none" rtlCol="0">
+            <a:spAutoFit/>
+          </a:bodyPr>
+          <a:lstStyle/>
+          <a:p>
+            <a:r>
+              <a:rPr lang="en-GB" sz="1000" dirty="0" smtClean="0">
+                <a:latin typeface="Consolas" panose="020B0609020204030204" pitchFamily="49" charset="0"/>
+                <a:cs typeface="Consolas" panose="020B0609020204030204" pitchFamily="49" charset="0"/>
+              </a:rPr>
+              <a:t>11</a:t>
+            </a:r>
+            <a:endParaRPr lang="en-GB" sz="1000" dirty="0">
+              <a:latin typeface="Consolas" panose="020B0609020204030204" pitchFamily="49" charset="0"/>
+              <a:cs typeface="Consolas" panose="020B0609020204030204" pitchFamily="49" charset="0"/>
+            </a:endParaRPr>
+          </a:p>
+        </p:txBody>
+      </p:sp>
+      <p:sp>
+        <p:nvSpPr>
+          <p:cNvPr id="224" name="ZoneTexte 223"/>
+          <p:cNvSpPr txBox="1"/>
+          <p:nvPr/>
+        </p:nvSpPr>
+        <p:spPr>
+          <a:xfrm>
+            <a:off x="2795517" y="3151364"/>
+            <a:ext cx="325730" cy="246221"/>
+          </a:xfrm>
+          <a:prstGeom prst="rect">
+            <a:avLst/>
+          </a:prstGeom>
+          <a:noFill/>
+        </p:spPr>
+        <p:txBody>
+          <a:bodyPr wrap="none" rtlCol="0">
+            <a:spAutoFit/>
+          </a:bodyPr>
+          <a:lstStyle/>
+          <a:p>
+            <a:r>
+              <a:rPr lang="en-GB" sz="1000" dirty="0" smtClean="0">
+                <a:latin typeface="Consolas" panose="020B0609020204030204" pitchFamily="49" charset="0"/>
+                <a:cs typeface="Consolas" panose="020B0609020204030204" pitchFamily="49" charset="0"/>
+              </a:rPr>
+              <a:t>12</a:t>
+            </a:r>
+            <a:endParaRPr lang="en-GB" sz="1000" dirty="0">
+              <a:latin typeface="Consolas" panose="020B0609020204030204" pitchFamily="49" charset="0"/>
+              <a:cs typeface="Consolas" panose="020B0609020204030204" pitchFamily="49" charset="0"/>
+            </a:endParaRPr>
+          </a:p>
+        </p:txBody>
+      </p:sp>
+      <p:sp>
+        <p:nvSpPr>
+          <p:cNvPr id="225" name="ZoneTexte 224"/>
+          <p:cNvSpPr txBox="1"/>
+          <p:nvPr/>
+        </p:nvSpPr>
+        <p:spPr>
+          <a:xfrm>
+            <a:off x="2257639" y="2909235"/>
+            <a:ext cx="325730" cy="246221"/>
+          </a:xfrm>
+          <a:prstGeom prst="rect">
+            <a:avLst/>
+          </a:prstGeom>
+          <a:noFill/>
+        </p:spPr>
+        <p:txBody>
+          <a:bodyPr wrap="none" rtlCol="0">
+            <a:spAutoFit/>
+          </a:bodyPr>
+          <a:lstStyle/>
+          <a:p>
+            <a:r>
+              <a:rPr lang="en-GB" sz="1000" dirty="0" smtClean="0">
+                <a:latin typeface="Consolas" panose="020B0609020204030204" pitchFamily="49" charset="0"/>
+                <a:cs typeface="Consolas" panose="020B0609020204030204" pitchFamily="49" charset="0"/>
+              </a:rPr>
+              <a:t>13</a:t>
+            </a:r>
+            <a:endParaRPr lang="en-GB" sz="1000" dirty="0">
+              <a:latin typeface="Consolas" panose="020B0609020204030204" pitchFamily="49" charset="0"/>
+              <a:cs typeface="Consolas" panose="020B0609020204030204" pitchFamily="49" charset="0"/>
+            </a:endParaRPr>
+          </a:p>
+        </p:txBody>
+      </p:sp>
+      <p:sp>
+        <p:nvSpPr>
+          <p:cNvPr id="226" name="ZoneTexte 225"/>
+          <p:cNvSpPr txBox="1"/>
+          <p:nvPr/>
+        </p:nvSpPr>
+        <p:spPr>
+          <a:xfrm>
+            <a:off x="2153474" y="3362724"/>
+            <a:ext cx="325730" cy="246221"/>
+          </a:xfrm>
+          <a:prstGeom prst="rect">
+            <a:avLst/>
+          </a:prstGeom>
+          <a:noFill/>
+        </p:spPr>
+        <p:txBody>
+          <a:bodyPr wrap="none" rtlCol="0">
+            <a:spAutoFit/>
+          </a:bodyPr>
+          <a:lstStyle/>
+          <a:p>
+            <a:r>
+              <a:rPr lang="en-GB" sz="1000" dirty="0" smtClean="0">
+                <a:latin typeface="Consolas" panose="020B0609020204030204" pitchFamily="49" charset="0"/>
+                <a:cs typeface="Consolas" panose="020B0609020204030204" pitchFamily="49" charset="0"/>
+              </a:rPr>
+              <a:t>14</a:t>
+            </a:r>
+            <a:endParaRPr lang="en-GB" sz="1000" dirty="0">
+              <a:latin typeface="Consolas" panose="020B0609020204030204" pitchFamily="49" charset="0"/>
+              <a:cs typeface="Consolas" panose="020B0609020204030204" pitchFamily="49" charset="0"/>
+            </a:endParaRPr>
+          </a:p>
+        </p:txBody>
+      </p:sp>
+      <p:sp>
+        <p:nvSpPr>
+          <p:cNvPr id="227" name="ZoneTexte 226"/>
+          <p:cNvSpPr txBox="1"/>
+          <p:nvPr/>
+        </p:nvSpPr>
+        <p:spPr>
+          <a:xfrm>
+            <a:off x="2915662" y="3544094"/>
+            <a:ext cx="325730" cy="246221"/>
+          </a:xfrm>
+          <a:prstGeom prst="rect">
+            <a:avLst/>
+          </a:prstGeom>
+          <a:noFill/>
+        </p:spPr>
+        <p:txBody>
+          <a:bodyPr wrap="none" rtlCol="0">
+            <a:spAutoFit/>
+          </a:bodyPr>
+          <a:lstStyle/>
+          <a:p>
+            <a:r>
+              <a:rPr lang="en-GB" sz="1000" dirty="0" smtClean="0">
+                <a:latin typeface="Consolas" panose="020B0609020204030204" pitchFamily="49" charset="0"/>
+                <a:cs typeface="Consolas" panose="020B0609020204030204" pitchFamily="49" charset="0"/>
+              </a:rPr>
+              <a:t>15</a:t>
+            </a:r>
+            <a:endParaRPr lang="en-GB" sz="1000" dirty="0">
+              <a:latin typeface="Consolas" panose="020B0609020204030204" pitchFamily="49" charset="0"/>
+              <a:cs typeface="Consolas" panose="020B0609020204030204" pitchFamily="49" charset="0"/>
+            </a:endParaRPr>
+          </a:p>
+        </p:txBody>
+      </p:sp>
+      <p:sp>
+        <p:nvSpPr>
+          <p:cNvPr id="228" name="ZoneTexte 227"/>
+          <p:cNvSpPr txBox="1"/>
+          <p:nvPr/>
+        </p:nvSpPr>
+        <p:spPr>
+          <a:xfrm>
+            <a:off x="3321898" y="3658230"/>
+            <a:ext cx="325730" cy="246221"/>
+          </a:xfrm>
+          <a:prstGeom prst="rect">
+            <a:avLst/>
+          </a:prstGeom>
+          <a:noFill/>
+        </p:spPr>
+        <p:txBody>
+          <a:bodyPr wrap="none" rtlCol="0">
+            <a:spAutoFit/>
+          </a:bodyPr>
+          <a:lstStyle/>
+          <a:p>
+            <a:r>
+              <a:rPr lang="en-GB" sz="1000" dirty="0" smtClean="0">
+                <a:latin typeface="Consolas" panose="020B0609020204030204" pitchFamily="49" charset="0"/>
+                <a:cs typeface="Consolas" panose="020B0609020204030204" pitchFamily="49" charset="0"/>
+              </a:rPr>
+              <a:t>16</a:t>
+            </a:r>
+            <a:endParaRPr lang="en-GB" sz="1000" dirty="0">
+              <a:latin typeface="Consolas" panose="020B0609020204030204" pitchFamily="49" charset="0"/>
+              <a:cs typeface="Consolas" panose="020B0609020204030204" pitchFamily="49" charset="0"/>
+            </a:endParaRPr>
+          </a:p>
+        </p:txBody>
+      </p:sp>
+      <p:sp>
+        <p:nvSpPr>
+          <p:cNvPr id="229" name="ZoneTexte 228"/>
+          <p:cNvSpPr txBox="1"/>
+          <p:nvPr/>
+        </p:nvSpPr>
+        <p:spPr>
+          <a:xfrm>
+            <a:off x="3810041" y="3683931"/>
+            <a:ext cx="325730" cy="246221"/>
+          </a:xfrm>
+          <a:prstGeom prst="rect">
+            <a:avLst/>
+          </a:prstGeom>
+          <a:noFill/>
+        </p:spPr>
+        <p:txBody>
+          <a:bodyPr wrap="none" rtlCol="0">
+            <a:spAutoFit/>
+          </a:bodyPr>
+          <a:lstStyle/>
+          <a:p>
+            <a:r>
+              <a:rPr lang="en-GB" sz="1000" dirty="0" smtClean="0">
+                <a:latin typeface="Consolas" panose="020B0609020204030204" pitchFamily="49" charset="0"/>
+                <a:cs typeface="Consolas" panose="020B0609020204030204" pitchFamily="49" charset="0"/>
+              </a:rPr>
+              <a:t>17</a:t>
+            </a:r>
+            <a:endParaRPr lang="en-GB" sz="1000" dirty="0">
+              <a:latin typeface="Consolas" panose="020B0609020204030204" pitchFamily="49" charset="0"/>
+              <a:cs typeface="Consolas" panose="020B0609020204030204" pitchFamily="49" charset="0"/>
+            </a:endParaRPr>
+          </a:p>
+        </p:txBody>
+      </p:sp>
+      <p:sp>
+        <p:nvSpPr>
+          <p:cNvPr id="230" name="ZoneTexte 229"/>
+          <p:cNvSpPr txBox="1"/>
+          <p:nvPr/>
+        </p:nvSpPr>
+        <p:spPr>
+          <a:xfrm>
+            <a:off x="4218760" y="4189910"/>
+            <a:ext cx="325730" cy="246221"/>
+          </a:xfrm>
+          <a:prstGeom prst="rect">
+            <a:avLst/>
+          </a:prstGeom>
+          <a:noFill/>
+        </p:spPr>
+        <p:txBody>
+          <a:bodyPr wrap="none" rtlCol="0">
+            <a:spAutoFit/>
+          </a:bodyPr>
+          <a:lstStyle/>
+          <a:p>
+            <a:r>
+              <a:rPr lang="en-GB" sz="1000" dirty="0" smtClean="0">
+                <a:latin typeface="Consolas" panose="020B0609020204030204" pitchFamily="49" charset="0"/>
+                <a:cs typeface="Consolas" panose="020B0609020204030204" pitchFamily="49" charset="0"/>
+              </a:rPr>
+              <a:t>18</a:t>
+            </a:r>
+            <a:endParaRPr lang="en-GB" sz="1000" dirty="0">
+              <a:latin typeface="Consolas" panose="020B0609020204030204" pitchFamily="49" charset="0"/>
+              <a:cs typeface="Consolas" panose="020B0609020204030204" pitchFamily="49" charset="0"/>
+            </a:endParaRPr>
+          </a:p>
+        </p:txBody>
+      </p:sp>
+      <p:sp>
+        <p:nvSpPr>
+          <p:cNvPr id="231" name="ZoneTexte 230"/>
+          <p:cNvSpPr txBox="1"/>
+          <p:nvPr/>
+        </p:nvSpPr>
+        <p:spPr>
+          <a:xfrm>
+            <a:off x="3603670" y="4115979"/>
+            <a:ext cx="325730" cy="246221"/>
+          </a:xfrm>
+          <a:prstGeom prst="rect">
+            <a:avLst/>
+          </a:prstGeom>
+          <a:noFill/>
+        </p:spPr>
+        <p:txBody>
+          <a:bodyPr wrap="none" rtlCol="0">
+            <a:spAutoFit/>
+          </a:bodyPr>
+          <a:lstStyle/>
+          <a:p>
+            <a:r>
+              <a:rPr lang="en-GB" sz="1000" dirty="0" smtClean="0">
+                <a:latin typeface="Consolas" panose="020B0609020204030204" pitchFamily="49" charset="0"/>
+                <a:cs typeface="Consolas" panose="020B0609020204030204" pitchFamily="49" charset="0"/>
+              </a:rPr>
+              <a:t>19</a:t>
+            </a:r>
+            <a:endParaRPr lang="en-GB" sz="1000" dirty="0">
+              <a:latin typeface="Consolas" panose="020B0609020204030204" pitchFamily="49" charset="0"/>
+              <a:cs typeface="Consolas" panose="020B0609020204030204" pitchFamily="49" charset="0"/>
+            </a:endParaRPr>
+          </a:p>
+        </p:txBody>
+      </p:sp>
+      <p:sp>
+        <p:nvSpPr>
+          <p:cNvPr id="232" name="ZoneTexte 231"/>
+          <p:cNvSpPr txBox="1"/>
+          <p:nvPr/>
+        </p:nvSpPr>
+        <p:spPr>
+          <a:xfrm>
+            <a:off x="3022981" y="3863951"/>
+            <a:ext cx="325730" cy="246221"/>
+          </a:xfrm>
+          <a:prstGeom prst="rect">
+            <a:avLst/>
+          </a:prstGeom>
+          <a:noFill/>
+        </p:spPr>
+        <p:txBody>
+          <a:bodyPr wrap="none" rtlCol="0">
+            <a:spAutoFit/>
+          </a:bodyPr>
+          <a:lstStyle/>
+          <a:p>
+            <a:r>
+              <a:rPr lang="en-GB" sz="1000" dirty="0" smtClean="0">
+                <a:latin typeface="Consolas" panose="020B0609020204030204" pitchFamily="49" charset="0"/>
+                <a:cs typeface="Consolas" panose="020B0609020204030204" pitchFamily="49" charset="0"/>
+              </a:rPr>
+              <a:t>20</a:t>
+            </a:r>
+            <a:endParaRPr lang="en-GB" sz="1000" dirty="0">
+              <a:latin typeface="Consolas" panose="020B0609020204030204" pitchFamily="49" charset="0"/>
+              <a:cs typeface="Consolas" panose="020B0609020204030204" pitchFamily="49" charset="0"/>
+            </a:endParaRPr>
+          </a:p>
+        </p:txBody>
+      </p:sp>
+      <p:sp>
+        <p:nvSpPr>
+          <p:cNvPr id="233" name="ZoneTexte 232"/>
+          <p:cNvSpPr txBox="1"/>
+          <p:nvPr/>
+        </p:nvSpPr>
+        <p:spPr>
+          <a:xfrm>
+            <a:off x="2410706" y="3759486"/>
+            <a:ext cx="325730" cy="246221"/>
+          </a:xfrm>
+          <a:prstGeom prst="rect">
+            <a:avLst/>
+          </a:prstGeom>
+          <a:noFill/>
+        </p:spPr>
+        <p:txBody>
+          <a:bodyPr wrap="none" rtlCol="0">
+            <a:spAutoFit/>
+          </a:bodyPr>
+          <a:lstStyle/>
+          <a:p>
+            <a:r>
+              <a:rPr lang="en-GB" sz="1000" dirty="0" smtClean="0">
+                <a:latin typeface="Consolas" panose="020B0609020204030204" pitchFamily="49" charset="0"/>
+                <a:cs typeface="Consolas" panose="020B0609020204030204" pitchFamily="49" charset="0"/>
+              </a:rPr>
+              <a:t>21</a:t>
+            </a:r>
+            <a:endParaRPr lang="en-GB" sz="1000" dirty="0">
+              <a:latin typeface="Consolas" panose="020B0609020204030204" pitchFamily="49" charset="0"/>
+              <a:cs typeface="Consolas" panose="020B0609020204030204" pitchFamily="49" charset="0"/>
+            </a:endParaRPr>
+          </a:p>
+        </p:txBody>
+      </p:sp>
+      <p:sp>
+        <p:nvSpPr>
+          <p:cNvPr id="234" name="ZoneTexte 233"/>
+          <p:cNvSpPr txBox="1"/>
+          <p:nvPr/>
+        </p:nvSpPr>
+        <p:spPr>
+          <a:xfrm>
+            <a:off x="2213740" y="4021744"/>
+            <a:ext cx="325730" cy="246221"/>
+          </a:xfrm>
+          <a:prstGeom prst="rect">
+            <a:avLst/>
+          </a:prstGeom>
+          <a:noFill/>
+        </p:spPr>
+        <p:txBody>
+          <a:bodyPr wrap="none" rtlCol="0">
+            <a:spAutoFit/>
+          </a:bodyPr>
+          <a:lstStyle/>
+          <a:p>
+            <a:r>
+              <a:rPr lang="en-GB" sz="1000" dirty="0" smtClean="0">
+                <a:latin typeface="Consolas" panose="020B0609020204030204" pitchFamily="49" charset="0"/>
+                <a:cs typeface="Consolas" panose="020B0609020204030204" pitchFamily="49" charset="0"/>
+              </a:rPr>
+              <a:t>22</a:t>
+            </a:r>
+            <a:endParaRPr lang="en-GB" sz="1000" dirty="0">
+              <a:latin typeface="Consolas" panose="020B0609020204030204" pitchFamily="49" charset="0"/>
+              <a:cs typeface="Consolas" panose="020B0609020204030204" pitchFamily="49" charset="0"/>
+            </a:endParaRPr>
+          </a:p>
+        </p:txBody>
+      </p:sp>
+      <p:sp>
+        <p:nvSpPr>
+          <p:cNvPr id="235" name="ZoneTexte 234"/>
+          <p:cNvSpPr txBox="1"/>
+          <p:nvPr/>
+        </p:nvSpPr>
+        <p:spPr>
+          <a:xfrm>
+            <a:off x="2493409" y="4069354"/>
+            <a:ext cx="325730" cy="246221"/>
+          </a:xfrm>
+          <a:prstGeom prst="rect">
+            <a:avLst/>
+          </a:prstGeom>
+          <a:noFill/>
+        </p:spPr>
+        <p:txBody>
+          <a:bodyPr wrap="none" rtlCol="0">
+            <a:spAutoFit/>
+          </a:bodyPr>
+          <a:lstStyle/>
+          <a:p>
+            <a:r>
+              <a:rPr lang="en-GB" sz="1000" dirty="0" smtClean="0">
+                <a:latin typeface="Consolas" panose="020B0609020204030204" pitchFamily="49" charset="0"/>
+                <a:cs typeface="Consolas" panose="020B0609020204030204" pitchFamily="49" charset="0"/>
+              </a:rPr>
+              <a:t>23</a:t>
+            </a:r>
+            <a:endParaRPr lang="en-GB" sz="1000" dirty="0">
+              <a:latin typeface="Consolas" panose="020B0609020204030204" pitchFamily="49" charset="0"/>
+              <a:cs typeface="Consolas" panose="020B0609020204030204" pitchFamily="49" charset="0"/>
+            </a:endParaRPr>
+          </a:p>
+        </p:txBody>
+      </p:sp>
+      <p:sp>
+        <p:nvSpPr>
+          <p:cNvPr id="236" name="ZoneTexte 235"/>
+          <p:cNvSpPr txBox="1"/>
+          <p:nvPr/>
+        </p:nvSpPr>
+        <p:spPr>
+          <a:xfrm>
+            <a:off x="3093527" y="4368007"/>
+            <a:ext cx="325730" cy="246221"/>
+          </a:xfrm>
+          <a:prstGeom prst="rect">
+            <a:avLst/>
+          </a:prstGeom>
+          <a:noFill/>
+        </p:spPr>
+        <p:txBody>
+          <a:bodyPr wrap="none" rtlCol="0">
+            <a:spAutoFit/>
+          </a:bodyPr>
+          <a:lstStyle/>
+          <a:p>
+            <a:r>
+              <a:rPr lang="en-GB" sz="1000" dirty="0" smtClean="0">
+                <a:latin typeface="Consolas" panose="020B0609020204030204" pitchFamily="49" charset="0"/>
+                <a:cs typeface="Consolas" panose="020B0609020204030204" pitchFamily="49" charset="0"/>
+              </a:rPr>
+              <a:t>24</a:t>
+            </a:r>
+            <a:endParaRPr lang="en-GB" sz="1000" dirty="0">
+              <a:latin typeface="Consolas" panose="020B0609020204030204" pitchFamily="49" charset="0"/>
+              <a:cs typeface="Consolas" panose="020B0609020204030204" pitchFamily="49" charset="0"/>
+            </a:endParaRPr>
+          </a:p>
+        </p:txBody>
+      </p:sp>
     </p:spTree>
     <p:extLst>
       <p:ext uri="{BB962C8B-B14F-4D97-AF65-F5344CB8AC3E}">
